--- a/ebpf_http_filter.pptx
+++ b/ebpf_http_filter.pptx
@@ -113,7 +113,7 @@
   </p:defaultTextStyle>
   <p:extLst>
     <p:ext uri="{EFAFB233-063F-42B5-8137-9DF3F51BA10A}">
-      <p15:sldGuideLst xmlns="" xmlns:p15="http://schemas.microsoft.com/office/powerpoint/2012/main">
+      <p15:sldGuideLst xmlns:p15="http://schemas.microsoft.com/office/powerpoint/2012/main">
         <p15:guide id="1" orient="horz" pos="2160">
           <p15:clr>
             <a:srgbClr val="A4A3A4"/>
@@ -371,7 +371,7 @@
           <a:p>
             <a:fld id="{86EC02DE-C9C8-4A5A-96A4-0F9CD001B396}" type="slidenum">
               <a:rPr lang="it-IT" smtClean="0"/>
-              <a:t>‹N›</a:t>
+              <a:t>‹#›</a:t>
             </a:fld>
             <a:endParaRPr lang="it-IT"/>
           </a:p>
@@ -804,7 +804,7 @@
             <a:fld id="{2BBB5E19-F10A-4C2F-BF6F-11C513378A2E}" type="slidenum">
               <a:rPr kumimoji="0" lang="en-US" smtClean="0"/>
               <a:pPr eaLnBrk="1" latinLnBrk="0" hangingPunct="1"/>
-              <a:t>‹N›</a:t>
+              <a:t>‹#›</a:t>
             </a:fld>
             <a:endParaRPr kumimoji="0" lang="en-US" dirty="0"/>
           </a:p>
@@ -973,7 +973,7 @@
             <a:fld id="{2BBB5E19-F10A-4C2F-BF6F-11C513378A2E}" type="slidenum">
               <a:rPr kumimoji="0" lang="en-US" smtClean="0"/>
               <a:pPr eaLnBrk="1" latinLnBrk="0" hangingPunct="1"/>
-              <a:t>‹N›</a:t>
+              <a:t>‹#›</a:t>
             </a:fld>
             <a:endParaRPr kumimoji="0" lang="en-US"/>
           </a:p>
@@ -1161,7 +1161,7 @@
             <a:fld id="{2BBB5E19-F10A-4C2F-BF6F-11C513378A2E}" type="slidenum">
               <a:rPr kumimoji="0" lang="en-US" smtClean="0"/>
               <a:pPr algn="ctr" eaLnBrk="1" latinLnBrk="0" hangingPunct="1"/>
-              <a:t>‹N›</a:t>
+              <a:t>‹#›</a:t>
             </a:fld>
             <a:endParaRPr kumimoji="0" lang="en-US" sz="1400" b="1" dirty="0">
               <a:solidFill>
@@ -1334,7 +1334,7 @@
             <a:fld id="{2BBB5E19-F10A-4C2F-BF6F-11C513378A2E}" type="slidenum">
               <a:rPr kumimoji="0" lang="en-US" smtClean="0"/>
               <a:pPr algn="ctr" eaLnBrk="1" latinLnBrk="0" hangingPunct="1"/>
-              <a:t>‹N›</a:t>
+              <a:t>‹#›</a:t>
             </a:fld>
             <a:endParaRPr kumimoji="0" lang="en-US"/>
           </a:p>
@@ -1579,7 +1579,7 @@
             <a:fld id="{2BBB5E19-F10A-4C2F-BF6F-11C513378A2E}" type="slidenum">
               <a:rPr kumimoji="0" lang="en-US" smtClean="0"/>
               <a:pPr eaLnBrk="1" latinLnBrk="0" hangingPunct="1"/>
-              <a:t>‹N›</a:t>
+              <a:t>‹#›</a:t>
             </a:fld>
             <a:endParaRPr kumimoji="0" lang="en-US"/>
           </a:p>
@@ -1866,7 +1866,7 @@
             <a:fld id="{2BBB5E19-F10A-4C2F-BF6F-11C513378A2E}" type="slidenum">
               <a:rPr kumimoji="0" lang="en-US" smtClean="0"/>
               <a:pPr eaLnBrk="1" latinLnBrk="0" hangingPunct="1"/>
-              <a:t>‹N›</a:t>
+              <a:t>‹#›</a:t>
             </a:fld>
             <a:endParaRPr kumimoji="0" lang="en-US"/>
           </a:p>
@@ -2299,7 +2299,7 @@
             <a:fld id="{2BBB5E19-F10A-4C2F-BF6F-11C513378A2E}" type="slidenum">
               <a:rPr kumimoji="0" lang="en-US" smtClean="0"/>
               <a:pPr eaLnBrk="1" latinLnBrk="0" hangingPunct="1"/>
-              <a:t>‹N›</a:t>
+              <a:t>‹#›</a:t>
             </a:fld>
             <a:endParaRPr kumimoji="0" lang="en-US"/>
           </a:p>
@@ -2416,7 +2416,7 @@
             <a:fld id="{2BBB5E19-F10A-4C2F-BF6F-11C513378A2E}" type="slidenum">
               <a:rPr kumimoji="0" lang="en-US" smtClean="0"/>
               <a:pPr algn="ctr" eaLnBrk="1" latinLnBrk="0" hangingPunct="1"/>
-              <a:t>‹N›</a:t>
+              <a:t>‹#›</a:t>
             </a:fld>
             <a:endParaRPr kumimoji="0" lang="en-US"/>
           </a:p>
@@ -2510,7 +2510,7 @@
             <a:fld id="{2BBB5E19-F10A-4C2F-BF6F-11C513378A2E}" type="slidenum">
               <a:rPr kumimoji="0" lang="en-US" smtClean="0"/>
               <a:pPr eaLnBrk="1" latinLnBrk="0" hangingPunct="1"/>
-              <a:t>‹N›</a:t>
+              <a:t>‹#›</a:t>
             </a:fld>
             <a:endParaRPr kumimoji="0" lang="en-US"/>
           </a:p>
@@ -2703,7 +2703,7 @@
             <a:fld id="{2BBB5E19-F10A-4C2F-BF6F-11C513378A2E}" type="slidenum">
               <a:rPr kumimoji="0" lang="en-US" smtClean="0"/>
               <a:pPr algn="ctr" eaLnBrk="1" latinLnBrk="0" hangingPunct="1"/>
-              <a:t>‹N›</a:t>
+              <a:t>‹#›</a:t>
             </a:fld>
             <a:endParaRPr kumimoji="0" lang="en-US"/>
           </a:p>
@@ -3006,7 +3006,7 @@
             <a:fld id="{2BBB5E19-F10A-4C2F-BF6F-11C513378A2E}" type="slidenum">
               <a:rPr kumimoji="0" lang="en-US" smtClean="0"/>
               <a:pPr algn="ctr" eaLnBrk="1" latinLnBrk="0" hangingPunct="1"/>
-              <a:t>‹N›</a:t>
+              <a:t>‹#›</a:t>
             </a:fld>
             <a:endParaRPr kumimoji="0" lang="en-US"/>
           </a:p>
@@ -3290,7 +3290,7 @@
             <a:fld id="{2BBB5E19-F10A-4C2F-BF6F-11C513378A2E}" type="slidenum">
               <a:rPr kumimoji="0" lang="en-US" smtClean="0"/>
               <a:pPr algn="ctr" eaLnBrk="1" latinLnBrk="0" hangingPunct="1"/>
-              <a:t>‹N›</a:t>
+              <a:t>‹#›</a:t>
             </a:fld>
             <a:endParaRPr kumimoji="0" lang="en-US" sz="1400" b="1" dirty="0">
               <a:solidFill>
@@ -3772,6 +3772,29 @@
           </a:bodyPr>
           <a:lstStyle/>
           <a:p>
+            <a:r>
+              <a:rPr lang="it-IT" i="1" dirty="0" smtClean="0"/>
+              <a:t>Matteo </a:t>
+            </a:r>
+            <a:r>
+              <a:rPr lang="it-IT" i="1" dirty="0" err="1" smtClean="0"/>
+              <a:t>Bertrone</a:t>
+            </a:r>
+            <a:endParaRPr lang="it-IT" i="1" dirty="0" smtClean="0"/>
+          </a:p>
+          <a:p>
+            <a:r>
+              <a:rPr lang="en-US" i="1" dirty="0"/>
+              <a:t>Polytechnic of Turin</a:t>
+            </a:r>
+            <a:r>
+              <a:rPr lang="en-US" i="1"/>
+              <a:t>, </a:t>
+            </a:r>
+            <a:r>
+              <a:rPr lang="en-US" i="1" smtClean="0"/>
+              <a:t>Italy</a:t>
+            </a:r>
             <a:endParaRPr lang="it-IT" i="1" dirty="0"/>
           </a:p>
         </p:txBody>
@@ -3895,31 +3918,6 @@
               <a:buNone/>
             </a:pPr>
             <a:r>
-              <a:rPr lang="it-IT" dirty="0" smtClean="0">
-                <a:hlinkClick r:id="rId3"/>
-              </a:rPr>
-              <a:t>https</a:t>
-            </a:r>
-            <a:r>
-              <a:rPr lang="it-IT" dirty="0">
-                <a:hlinkClick r:id="rId3"/>
-              </a:rPr>
-              <a:t>://github.com/netgroup-polito/ebpf-test</a:t>
-            </a:r>
-            <a:endParaRPr lang="it-IT" dirty="0"/>
-          </a:p>
-          <a:p>
-            <a:pPr marL="411480" lvl="1" indent="0">
-              <a:buNone/>
-            </a:pPr>
-            <a:r>
-              <a:rPr lang="en-US" dirty="0" smtClean="0"/>
-              <a:t/>
-            </a:r>
-            <a:br>
-              <a:rPr lang="en-US" dirty="0" smtClean="0"/>
-            </a:br>
-            <a:r>
               <a:rPr lang="en-US" dirty="0" smtClean="0"/>
               <a:t>Usage Example (launch program then use your browser):</a:t>
             </a:r>
@@ -3946,7 +3944,7 @@
         </p:nvSpPr>
         <p:spPr>
           <a:xfrm>
-            <a:off x="930374" y="3717032"/>
+            <a:off x="930374" y="3356992"/>
             <a:ext cx="6480720" cy="2232248"/>
           </a:xfrm>
           <a:prstGeom prst="rect">
@@ -4375,15 +4373,7 @@
             </a:r>
             <a:r>
               <a:rPr lang="it-IT" dirty="0" err="1" smtClean="0"/>
-              <a:t>using</a:t>
-            </a:r>
-            <a:r>
-              <a:rPr lang="it-IT" dirty="0"/>
-              <a:t> </a:t>
-            </a:r>
-            <a:r>
-              <a:rPr lang="it-IT" dirty="0" smtClean="0"/>
-              <a:t>BCC</a:t>
+              <a:t>overview</a:t>
             </a:r>
             <a:endParaRPr lang="it-IT" dirty="0"/>
           </a:p>
@@ -4407,7 +4397,7 @@
         </p:spPr>
         <p:txBody>
           <a:bodyPr>
-            <a:normAutofit fontScale="92500" lnSpcReduction="10000"/>
+            <a:normAutofit lnSpcReduction="10000"/>
           </a:bodyPr>
           <a:lstStyle/>
           <a:p>
@@ -4428,54 +4418,69 @@
               <a:t> </a:t>
             </a:r>
             <a:r>
-              <a:rPr lang="it-IT" sz="2400" dirty="0" err="1"/>
+              <a:rPr lang="it-IT" sz="2400" dirty="0" err="1" smtClean="0"/>
               <a:t>filter</a:t>
             </a:r>
-            <a:r>
-              <a:rPr lang="it-IT" sz="2400" dirty="0"/>
-              <a:t>.</a:t>
-            </a:r>
+            <a:endParaRPr lang="it-IT" sz="2400" dirty="0"/>
+          </a:p>
+          <a:p>
+            <a:pPr lvl="1"/>
+            <a:r>
+              <a:rPr lang="en-US" dirty="0"/>
+              <a:t>Filters IP and TCP packets, containing "HTTP", "GET", "POST" in payload and all subsequent packets belonging to the same session, having the same (</a:t>
+            </a:r>
+            <a:r>
+              <a:rPr lang="en-US" dirty="0" err="1"/>
+              <a:t>ip_src,ip_dst,port_src,port_dst</a:t>
+            </a:r>
+            <a:r>
+              <a:rPr lang="en-US" dirty="0"/>
+              <a:t>).</a:t>
+            </a:r>
+          </a:p>
+          <a:p>
+            <a:pPr lvl="1"/>
+            <a:r>
+              <a:rPr lang="en-US" dirty="0"/>
+              <a:t>Program is loaded as PROG_TYPE_SOCKET_FILTER and attached to a socket, bind to eth0. </a:t>
+            </a:r>
+          </a:p>
+          <a:p>
+            <a:pPr lvl="1"/>
+            <a:r>
+              <a:rPr lang="en-US" dirty="0"/>
+              <a:t>Matching packets are forwarded to user space, others dropped by the filter.</a:t>
+            </a:r>
+          </a:p>
+          <a:p>
+            <a:endParaRPr lang="it-IT" sz="2400" dirty="0"/>
           </a:p>
           <a:p>
             <a:r>
               <a:rPr lang="en-US" sz="2400" dirty="0"/>
-              <a:t>Filters IP and TCP packets, containing "HTTP", "GET", "POST" in payload and all subsequent packets belonging to the same session, having the same (</a:t>
-            </a:r>
-            <a:r>
-              <a:rPr lang="en-US" sz="2400" dirty="0" err="1"/>
-              <a:t>ip_src,ip_dst,port_src,port_dst</a:t>
-            </a:r>
-            <a:r>
-              <a:rPr lang="en-US" sz="2400" dirty="0"/>
-              <a:t>).</a:t>
-            </a:r>
-          </a:p>
-          <a:p>
-            <a:r>
-              <a:rPr lang="en-US" sz="2400" dirty="0"/>
-              <a:t>Program is loaded as PROG_TYPE_SOCKET_FILTER and attached to a socket, bind to eth0. </a:t>
-            </a:r>
-          </a:p>
-          <a:p>
-            <a:r>
-              <a:rPr lang="en-US" sz="2400" dirty="0"/>
-              <a:t>Matching packets are forwarded to user space, others dropped by the filter.</a:t>
-            </a:r>
-          </a:p>
-          <a:p>
-            <a:endParaRPr lang="it-IT" sz="2400" dirty="0"/>
-          </a:p>
-          <a:p>
-            <a:r>
-              <a:rPr lang="en-US" sz="2400" dirty="0"/>
-              <a:t>Python script reads filtered raw packets from the socket, if necessary reassembles packets belonging to the same session, and prints on </a:t>
-            </a:r>
-            <a:r>
-              <a:rPr lang="en-US" sz="2400" dirty="0" err="1"/>
+              <a:t>Python </a:t>
+            </a:r>
+            <a:r>
+              <a:rPr lang="en-US" sz="2400" dirty="0" smtClean="0"/>
+              <a:t>script</a:t>
+            </a:r>
+          </a:p>
+          <a:p>
+            <a:pPr lvl="1"/>
+            <a:r>
+              <a:rPr lang="en-US" dirty="0" smtClean="0"/>
+              <a:t>Reads </a:t>
+            </a:r>
+            <a:r>
+              <a:rPr lang="en-US" dirty="0"/>
+              <a:t>filtered raw packets from the socket, if necessary reassembles packets belonging to the same session, and prints on </a:t>
+            </a:r>
+            <a:r>
+              <a:rPr lang="en-US" dirty="0" err="1"/>
               <a:t>stdout</a:t>
             </a:r>
             <a:r>
-              <a:rPr lang="en-US" sz="2400" dirty="0"/>
+              <a:rPr lang="en-US" dirty="0"/>
               <a:t> the first line of the HTTP GET/POST request.</a:t>
             </a:r>
           </a:p>
@@ -5043,49 +5048,13 @@
               <a:t> script, if necessary, reassembles </a:t>
             </a:r>
             <a:r>
-              <a:rPr lang="en-US" sz="800" dirty="0" err="1">
+              <a:rPr lang="en-US" sz="800" dirty="0" smtClean="0">
                 <a:solidFill>
                   <a:srgbClr val="008200"/>
                 </a:solidFill>
                 <a:latin typeface="Consolas"/>
               </a:rPr>
-              <a:t>urls</a:t>
-            </a:r>
-            <a:r>
-              <a:rPr lang="en-US" sz="800" dirty="0">
-                <a:solidFill>
-                  <a:srgbClr val="008200"/>
-                </a:solidFill>
-                <a:latin typeface="Consolas"/>
-              </a:rPr>
-              <a:t> </a:t>
-            </a:r>
-            <a:r>
-              <a:rPr lang="en-US" sz="800" dirty="0" err="1">
-                <a:solidFill>
-                  <a:srgbClr val="008200"/>
-                </a:solidFill>
-                <a:latin typeface="Consolas"/>
-              </a:rPr>
-              <a:t>splitted</a:t>
-            </a:r>
-            <a:r>
-              <a:rPr lang="en-US" sz="800" dirty="0">
-                <a:solidFill>
-                  <a:srgbClr val="008200"/>
-                </a:solidFill>
-                <a:latin typeface="Consolas"/>
-              </a:rPr>
-              <a:t> </a:t>
-            </a:r>
-            <a:r>
-              <a:rPr lang="en-US" sz="800" dirty="0" smtClean="0">
-                <a:solidFill>
-                  <a:srgbClr val="008200"/>
-                </a:solidFill>
-                <a:latin typeface="Consolas"/>
-              </a:rPr>
-              <a:t>in more packets.</a:t>
+              <a:t>URLs split in more packets.</a:t>
             </a:r>
           </a:p>
           <a:p>
@@ -5591,31 +5560,7 @@
           <a:p>
             <a:r>
               <a:rPr lang="en-US" sz="1800" i="1" dirty="0" smtClean="0"/>
-              <a:t>This </a:t>
-            </a:r>
-            <a:r>
-              <a:rPr lang="en-US" sz="1800" i="1" dirty="0" smtClean="0"/>
-              <a:t>complete version </a:t>
-            </a:r>
-            <a:r>
-              <a:rPr lang="en-US" sz="1800" i="1" dirty="0" smtClean="0"/>
-              <a:t>solve the problem of long </a:t>
-            </a:r>
-            <a:r>
-              <a:rPr lang="en-US" sz="1800" i="1" dirty="0" err="1" smtClean="0"/>
-              <a:t>urls</a:t>
-            </a:r>
-            <a:r>
-              <a:rPr lang="en-US" sz="1800" i="1" dirty="0" smtClean="0"/>
-              <a:t> </a:t>
-            </a:r>
-            <a:r>
-              <a:rPr lang="en-US" sz="1800" i="1" dirty="0" err="1" smtClean="0"/>
-              <a:t>splitted</a:t>
-            </a:r>
-            <a:r>
-              <a:rPr lang="en-US" sz="1800" i="1" dirty="0" smtClean="0"/>
-              <a:t> in more packets</a:t>
+              <a:t>This complete version solve the problem of long URLs split in more packets</a:t>
             </a:r>
             <a:endParaRPr lang="en-US" sz="1800" i="1" dirty="0"/>
           </a:p>
@@ -5822,7 +5767,7 @@
         <p:spPr>
           <a:xfrm>
             <a:off x="4184855" y="1544548"/>
-            <a:ext cx="4176464" cy="2031325"/>
+            <a:ext cx="4176464" cy="2246769"/>
           </a:xfrm>
           <a:prstGeom prst="rect">
             <a:avLst/>
@@ -6006,20 +5951,12 @@
               <a:t> </a:t>
             </a:r>
             <a:r>
-              <a:rPr lang="it-IT" sz="1400" dirty="0" err="1">
+              <a:rPr lang="it-IT" sz="1400" dirty="0" smtClean="0">
                 <a:solidFill>
                   <a:schemeClr val="tx1"/>
                 </a:solidFill>
               </a:rPr>
-              <a:t>splitted</a:t>
-            </a:r>
-            <a:r>
-              <a:rPr lang="it-IT" sz="1400" dirty="0">
-                <a:solidFill>
-                  <a:schemeClr val="tx1"/>
-                </a:solidFill>
-              </a:rPr>
-              <a:t> </a:t>
+              <a:t>split </a:t>
             </a:r>
             <a:r>
               <a:rPr lang="it-IT" sz="1400" dirty="0" err="1">
@@ -6052,12 +5989,12 @@
               <a:t>print the </a:t>
             </a:r>
             <a:r>
-              <a:rPr lang="en-US" sz="1400" dirty="0" err="1">
+              <a:rPr lang="en-US" sz="1400" dirty="0" smtClean="0">
                 <a:solidFill>
                   <a:schemeClr val="tx1"/>
                 </a:solidFill>
               </a:rPr>
-              <a:t>url</a:t>
+              <a:t>URL </a:t>
             </a:r>
             <a:r>
               <a:rPr lang="en-US" sz="1400" dirty="0">
@@ -6065,7 +6002,7 @@
                   <a:schemeClr val="tx1"/>
                 </a:solidFill>
               </a:rPr>
-              <a:t> contained in HTTP GET/POST request.</a:t>
+              <a:t>contained in HTTP GET/POST request.</a:t>
             </a:r>
             <a:endParaRPr lang="it-IT" sz="1400" dirty="0">
               <a:solidFill>
@@ -7775,7 +7712,7 @@
             </a:r>
             <a:r>
               <a:rPr lang="it-IT" dirty="0" err="1" smtClean="0"/>
-              <a:t>Remarks</a:t>
+              <a:t>considerations</a:t>
             </a:r>
             <a:endParaRPr lang="it-IT" dirty="0"/>
           </a:p>
@@ -7801,7 +7738,7 @@
           <a:p>
             <a:r>
               <a:rPr lang="en-US" dirty="0" smtClean="0"/>
-              <a:t>We used</a:t>
+              <a:t>This sample uses</a:t>
             </a:r>
             <a:r>
               <a:rPr lang="en-US" dirty="0" smtClean="0">
@@ -7828,6 +7765,10 @@
               <a:t>eBPF</a:t>
             </a:r>
             <a:r>
+              <a:rPr lang="en-US" dirty="0" smtClean="0"/>
+              <a:t> only for a </a:t>
+            </a:r>
+            <a:r>
               <a:rPr lang="en-US" dirty="0" smtClean="0">
                 <a:effectLst>
                   <a:outerShdw blurRad="38100" dist="38100" dir="2700000" algn="tl">
@@ -7837,26 +7778,18 @@
                   </a:outerShdw>
                 </a:effectLst>
               </a:rPr>
-              <a:t> </a:t>
+              <a:t>portion </a:t>
             </a:r>
             <a:r>
               <a:rPr lang="en-US" dirty="0" smtClean="0"/>
-              <a:t>for a part of the processing.</a:t>
+              <a:t>of the processing.</a:t>
             </a:r>
             <a:endParaRPr lang="en-US" dirty="0"/>
           </a:p>
           <a:p>
             <a:r>
-              <a:rPr lang="en-US" dirty="0"/>
-              <a:t>In </a:t>
-            </a:r>
-            <a:r>
               <a:rPr lang="en-US" dirty="0" smtClean="0"/>
-              <a:t>this case </a:t>
-            </a:r>
-            <a:r>
-              <a:rPr lang="en-US" dirty="0"/>
-              <a:t>(Application-layer traffic) some </a:t>
+              <a:t>Some </a:t>
             </a:r>
             <a:r>
               <a:rPr lang="en-US" dirty="0" err="1" smtClean="0"/>
@@ -7864,35 +7797,31 @@
             </a:r>
             <a:r>
               <a:rPr lang="en-US" dirty="0" smtClean="0"/>
-              <a:t> </a:t>
+              <a:t> constraints require this </a:t>
+            </a:r>
+            <a:r>
+              <a:rPr lang="en-US" dirty="0"/>
+              <a:t>type of analysis </a:t>
+            </a:r>
+            <a:r>
+              <a:rPr lang="en-US" dirty="0" smtClean="0"/>
+              <a:t>(application-layer traffic) </a:t>
+            </a:r>
+            <a:r>
+              <a:rPr lang="en-US" dirty="0"/>
+              <a:t>to </a:t>
+            </a:r>
+            <a:r>
+              <a:rPr lang="en-US" dirty="0" smtClean="0"/>
+              <a:t>be split between a portion executed in the </a:t>
             </a:r>
             <a:r>
               <a:rPr lang="en-US" dirty="0" err="1" smtClean="0"/>
-              <a:t>constaints</a:t>
+              <a:t>eBPF</a:t>
             </a:r>
             <a:r>
               <a:rPr lang="en-US" dirty="0" smtClean="0"/>
-              <a:t> forced </a:t>
-            </a:r>
-            <a:r>
-              <a:rPr lang="en-US" dirty="0" smtClean="0"/>
-              <a:t>us to </a:t>
-            </a:r>
-            <a:r>
-              <a:rPr lang="en-US" dirty="0"/>
-              <a:t>split this type of analysis in part in </a:t>
-            </a:r>
-            <a:r>
-              <a:rPr lang="en-US" dirty="0" err="1"/>
-              <a:t>eBPF</a:t>
-            </a:r>
-            <a:r>
-              <a:rPr lang="en-US" dirty="0"/>
-              <a:t> and in part in </a:t>
-            </a:r>
-            <a:r>
-              <a:rPr lang="en-US" dirty="0" err="1"/>
-              <a:t>userspace</a:t>
+              <a:t> and another in user-space</a:t>
             </a:r>
             <a:r>
               <a:rPr lang="en-US" dirty="0"/>
@@ -7913,12 +7842,20 @@
               <a:t>perform complex HTTP payload analysis inside </a:t>
             </a:r>
             <a:r>
-              <a:rPr lang="en-US" dirty="0" err="1"/>
-              <a:t>ebpf</a:t>
+              <a:rPr lang="en-US" dirty="0" err="1" smtClean="0"/>
+              <a:t>eBPF</a:t>
+            </a:r>
+            <a:r>
+              <a:rPr lang="en-US" dirty="0" smtClean="0"/>
+              <a:t> programs, </a:t>
             </a:r>
             <a:r>
               <a:rPr lang="en-US" dirty="0"/>
-              <a:t> program, mainly because of limitations on string operation.</a:t>
+              <a:t>mainly because of limitations on string </a:t>
+            </a:r>
+            <a:r>
+              <a:rPr lang="en-US" dirty="0" smtClean="0"/>
+              <a:t>operations.</a:t>
             </a:r>
             <a:endParaRPr lang="it-IT" dirty="0"/>
           </a:p>
